--- a/Vulnerabilities/DataStorage/DataStoragePresentation.pptx
+++ b/Vulnerabilities/DataStorage/DataStoragePresentation.pptx
@@ -114,7 +114,7 @@
   </p:defaultTextStyle>
   <p:extLst>
     <p:ext uri="{EFAFB233-063F-42B5-8137-9DF3F51BA10A}">
-      <p15:sldGuideLst xmlns:p15="http://schemas.microsoft.com/office/powerpoint/2012/main" xmlns=""/>
+      <p15:sldGuideLst xmlns="" xmlns:p15="http://schemas.microsoft.com/office/powerpoint/2012/main"/>
     </p:ext>
   </p:extLst>
 </p:presentation>
@@ -3260,8 +3260,12 @@
           <a:lstStyle/>
           <a:p>
             <a:r>
+              <a:rPr lang="en-US" b="1" dirty="0" smtClean="0"/>
+              <a:t>Abuse Case: </a:t>
+            </a:r>
+            <a:r>
               <a:rPr lang="en-US" dirty="0" smtClean="0"/>
-              <a:t>Abuse Case: Intentional  -&gt; Typical hacker</a:t>
+              <a:t>Intentional  -&gt; Typical hacker</a:t>
             </a:r>
           </a:p>
           <a:p>
@@ -3272,8 +3276,12 @@
           </a:p>
           <a:p>
             <a:r>
+              <a:rPr lang="en-US" b="1" dirty="0" smtClean="0"/>
+              <a:t>Misuse Case: </a:t>
+            </a:r>
+            <a:r>
               <a:rPr lang="en-US" dirty="0" smtClean="0"/>
-              <a:t>Misuse Case: Accident -&gt; Someone accidentally showing someone else your medical information</a:t>
+              <a:t>Accident -&gt; Someone accidentally showing someone else your medical information</a:t>
             </a:r>
             <a:endParaRPr lang="en-US" dirty="0"/>
           </a:p>
@@ -3394,7 +3402,6 @@
               <a:rPr lang="en-US" dirty="0"/>
               <a:t>What are the formats we can use to save data locally?</a:t>
             </a:r>
-            <a:endParaRPr lang="en-US" dirty="0"/>
           </a:p>
         </p:txBody>
       </p:sp>
@@ -3600,7 +3607,6 @@
               <a:rPr lang="en-US" dirty="0"/>
               <a:t>More on saving data in files</a:t>
             </a:r>
-            <a:endParaRPr lang="en-US" dirty="0"/>
           </a:p>
         </p:txBody>
       </p:sp>
@@ -3887,7 +3893,6 @@
               <a:rPr lang="en-US" dirty="0"/>
               <a:t>Where is the Security Concern?</a:t>
             </a:r>
-            <a:endParaRPr lang="en-US" dirty="0"/>
           </a:p>
         </p:txBody>
       </p:sp>
@@ -4185,7 +4190,6 @@
               <a:rPr lang="en-US" dirty="0"/>
               <a:t>Further resources</a:t>
             </a:r>
-            <a:endParaRPr lang="en-US" dirty="0"/>
           </a:p>
         </p:txBody>
       </p:sp>
@@ -4578,7 +4582,7 @@
   <a:extraClrSchemeLst/>
   <a:extLst>
     <a:ext uri="{05A4C25C-085E-4340-85A3-A5531E510DB2}">
-      <thm15:themeFamily xmlns:thm15="http://schemas.microsoft.com/office/thememl/2012/main" xmlns="" name="Office Theme" id="{62F939B6-93AF-4DB8-9C6B-D6C7DFDC589F}" vid="{4A3C46E8-61CC-4603-A589-7422A47A8E4A}"/>
+      <thm15:themeFamily xmlns="" xmlns:thm15="http://schemas.microsoft.com/office/thememl/2012/main" name="Office Theme" id="{62F939B6-93AF-4DB8-9C6B-D6C7DFDC589F}" vid="{4A3C46E8-61CC-4603-A589-7422A47A8E4A}"/>
     </a:ext>
   </a:extLst>
 </a:theme>

--- a/Vulnerabilities/DataStorage/DataStoragePresentation.pptx
+++ b/Vulnerabilities/DataStorage/DataStoragePresentation.pptx
@@ -114,7 +114,7 @@
   </p:defaultTextStyle>
   <p:extLst>
     <p:ext uri="{EFAFB233-063F-42B5-8137-9DF3F51BA10A}">
-      <p15:sldGuideLst xmlns="" xmlns:p15="http://schemas.microsoft.com/office/powerpoint/2012/main"/>
+      <p15:sldGuideLst xmlns:p15="http://schemas.microsoft.com/office/powerpoint/2012/main" xmlns=""/>
     </p:ext>
   </p:extLst>
 </p:presentation>
@@ -253,7 +253,7 @@
           <a:p>
             <a:fld id="{D1C5A854-3A0C-43B7-AE6D-AB817FE73E17}" type="datetimeFigureOut">
               <a:rPr lang="en-US" smtClean="0"/>
-              <a:t>7/4/18</a:t>
+              <a:t>7/12/18</a:t>
             </a:fld>
             <a:endParaRPr lang="en-US"/>
           </a:p>
@@ -421,7 +421,7 @@
           <a:p>
             <a:fld id="{D1C5A854-3A0C-43B7-AE6D-AB817FE73E17}" type="datetimeFigureOut">
               <a:rPr lang="en-US" smtClean="0"/>
-              <a:t>7/4/18</a:t>
+              <a:t>7/12/18</a:t>
             </a:fld>
             <a:endParaRPr lang="en-US"/>
           </a:p>
@@ -599,7 +599,7 @@
           <a:p>
             <a:fld id="{D1C5A854-3A0C-43B7-AE6D-AB817FE73E17}" type="datetimeFigureOut">
               <a:rPr lang="en-US" smtClean="0"/>
-              <a:t>7/4/18</a:t>
+              <a:t>7/12/18</a:t>
             </a:fld>
             <a:endParaRPr lang="en-US"/>
           </a:p>
@@ -1103,7 +1103,7 @@
           <a:p>
             <a:fld id="{D1C5A854-3A0C-43B7-AE6D-AB817FE73E17}" type="datetimeFigureOut">
               <a:rPr lang="en-US" smtClean="0"/>
-              <a:t>7/4/18</a:t>
+              <a:t>7/12/18</a:t>
             </a:fld>
             <a:endParaRPr lang="en-US"/>
           </a:p>
@@ -1332,7 +1332,7 @@
           <a:p>
             <a:fld id="{D1C5A854-3A0C-43B7-AE6D-AB817FE73E17}" type="datetimeFigureOut">
               <a:rPr lang="en-US" smtClean="0"/>
-              <a:t>7/4/18</a:t>
+              <a:t>7/12/18</a:t>
             </a:fld>
             <a:endParaRPr lang="en-US"/>
           </a:p>
@@ -1696,7 +1696,7 @@
           <a:p>
             <a:fld id="{D1C5A854-3A0C-43B7-AE6D-AB817FE73E17}" type="datetimeFigureOut">
               <a:rPr lang="en-US" smtClean="0"/>
-              <a:t>7/4/18</a:t>
+              <a:t>7/12/18</a:t>
             </a:fld>
             <a:endParaRPr lang="en-US"/>
           </a:p>
@@ -1813,7 +1813,7 @@
           <a:p>
             <a:fld id="{D1C5A854-3A0C-43B7-AE6D-AB817FE73E17}" type="datetimeFigureOut">
               <a:rPr lang="en-US" smtClean="0"/>
-              <a:t>7/4/18</a:t>
+              <a:t>7/12/18</a:t>
             </a:fld>
             <a:endParaRPr lang="en-US"/>
           </a:p>
@@ -1908,7 +1908,7 @@
           <a:p>
             <a:fld id="{D1C5A854-3A0C-43B7-AE6D-AB817FE73E17}" type="datetimeFigureOut">
               <a:rPr lang="en-US" smtClean="0"/>
-              <a:t>7/4/18</a:t>
+              <a:t>7/12/18</a:t>
             </a:fld>
             <a:endParaRPr lang="en-US"/>
           </a:p>
@@ -2183,7 +2183,7 @@
           <a:p>
             <a:fld id="{D1C5A854-3A0C-43B7-AE6D-AB817FE73E17}" type="datetimeFigureOut">
               <a:rPr lang="en-US" smtClean="0"/>
-              <a:t>7/4/18</a:t>
+              <a:t>7/12/18</a:t>
             </a:fld>
             <a:endParaRPr lang="en-US"/>
           </a:p>
@@ -2435,7 +2435,7 @@
           <a:p>
             <a:fld id="{D1C5A854-3A0C-43B7-AE6D-AB817FE73E17}" type="datetimeFigureOut">
               <a:rPr lang="en-US" smtClean="0"/>
-              <a:t>7/4/18</a:t>
+              <a:t>7/12/18</a:t>
             </a:fld>
             <a:endParaRPr lang="en-US"/>
           </a:p>
@@ -2646,7 +2646,7 @@
           <a:p>
             <a:fld id="{D1C5A854-3A0C-43B7-AE6D-AB817FE73E17}" type="datetimeFigureOut">
               <a:rPr lang="en-US" smtClean="0"/>
-              <a:t>7/4/18</a:t>
+              <a:t>7/12/18</a:t>
             </a:fld>
             <a:endParaRPr lang="en-US"/>
           </a:p>
@@ -4226,21 +4226,21 @@
           <a:p>
             <a:pPr lvl="1"/>
             <a:r>
-              <a:rPr lang="en-US" dirty="0"/>
-              <a:t>https://</a:t>
-            </a:r>
-            <a:r>
-              <a:rPr lang="en-US" dirty="0" err="1"/>
-              <a:t>developer.android.com</a:t>
-            </a:r>
-            <a:r>
-              <a:rPr lang="en-US" dirty="0"/>
-              <a:t>/guide/topics/data/data-</a:t>
-            </a:r>
-            <a:r>
-              <a:rPr lang="en-US" dirty="0" err="1"/>
+              <a:rPr lang="en-US" dirty="0">
+                <a:hlinkClick r:id="rId3"/>
+              </a:rPr>
+              <a:t>https://developer.android.com/guide/topics/data/data-</a:t>
+            </a:r>
+            <a:r>
+              <a:rPr lang="en-US" dirty="0" smtClean="0">
+                <a:hlinkClick r:id="rId3"/>
+              </a:rPr>
               <a:t>storage.html</a:t>
             </a:r>
+            <a:r>
+              <a:rPr lang="en-US" dirty="0" smtClean="0"/>
+              <a:t> </a:t>
+            </a:r>
             <a:endParaRPr lang="en-US" dirty="0"/>
           </a:p>
           <a:p>
@@ -4252,20 +4252,20 @@
           <a:p>
             <a:pPr lvl="1"/>
             <a:r>
-              <a:rPr lang="en-US" dirty="0"/>
-              <a:t>https://</a:t>
-            </a:r>
-            <a:r>
-              <a:rPr lang="en-US" dirty="0" err="1"/>
-              <a:t>developer.android.com</a:t>
-            </a:r>
-            <a:r>
-              <a:rPr lang="en-US" dirty="0"/>
-              <a:t>/training/articles/</a:t>
-            </a:r>
-            <a:r>
-              <a:rPr lang="en-US" dirty="0" err="1"/>
-              <a:t>security-tips.html#StoringData</a:t>
+              <a:rPr lang="en-US" dirty="0">
+                <a:hlinkClick r:id="rId4"/>
+              </a:rPr>
+              <a:t>https://developer.android.com/training/articles/security-tips.html#</a:t>
+            </a:r>
+            <a:r>
+              <a:rPr lang="en-US" dirty="0" smtClean="0">
+                <a:hlinkClick r:id="rId4"/>
+              </a:rPr>
+              <a:t>StoringData</a:t>
+            </a:r>
+            <a:r>
+              <a:rPr lang="en-US" smtClean="0"/>
+              <a:t> </a:t>
             </a:r>
             <a:endParaRPr lang="en-US" dirty="0"/>
           </a:p>
@@ -4582,7 +4582,7 @@
   <a:extraClrSchemeLst/>
   <a:extLst>
     <a:ext uri="{05A4C25C-085E-4340-85A3-A5531E510DB2}">
-      <thm15:themeFamily xmlns="" xmlns:thm15="http://schemas.microsoft.com/office/thememl/2012/main" name="Office Theme" id="{62F939B6-93AF-4DB8-9C6B-D6C7DFDC589F}" vid="{4A3C46E8-61CC-4603-A589-7422A47A8E4A}"/>
+      <thm15:themeFamily xmlns:thm15="http://schemas.microsoft.com/office/thememl/2012/main" xmlns="" name="Office Theme" id="{62F939B6-93AF-4DB8-9C6B-D6C7DFDC589F}" vid="{4A3C46E8-61CC-4603-A589-7422A47A8E4A}"/>
     </a:ext>
   </a:extLst>
 </a:theme>
